--- a/수업교제/2025/1학기/파이썬 기초01.pptx
+++ b/수업교제/2025/1학기/파이썬 기초01.pptx
@@ -322,7 +322,7 @@
             <a:fld id="{87DE6118-2437-4B30-8E3C-4D2BE6020583}" type="datetimeFigureOut">
               <a:rPr lang="en-US" dirty="0"/>
               <a:pPr/>
-              <a:t>3/17/2025</a:t>
+              <a:t>3/20/2025</a:t>
             </a:fld>
             <a:endParaRPr lang="en-US" dirty="0"/>
           </a:p>
@@ -648,7 +648,7 @@
           <a:p>
             <a:fld id="{87DE6118-2437-4B30-8E3C-4D2BE6020583}" type="datetimeFigureOut">
               <a:rPr lang="en-US" dirty="0"/>
-              <a:t>3/17/2025</a:t>
+              <a:t>3/20/2025</a:t>
             </a:fld>
             <a:endParaRPr lang="en-US" dirty="0"/>
           </a:p>
@@ -823,7 +823,7 @@
           <a:p>
             <a:fld id="{87DE6118-2437-4B30-8E3C-4D2BE6020583}" type="datetimeFigureOut">
               <a:rPr lang="en-US" dirty="0"/>
-              <a:t>3/17/2025</a:t>
+              <a:t>3/20/2025</a:t>
             </a:fld>
             <a:endParaRPr lang="en-US" dirty="0"/>
           </a:p>
@@ -988,7 +988,7 @@
           <a:p>
             <a:fld id="{87DE6118-2437-4B30-8E3C-4D2BE6020583}" type="datetimeFigureOut">
               <a:rPr lang="en-US" dirty="0"/>
-              <a:t>3/17/2025</a:t>
+              <a:t>3/20/2025</a:t>
             </a:fld>
             <a:endParaRPr lang="en-US" dirty="0"/>
           </a:p>
@@ -1261,7 +1261,7 @@
             <a:fld id="{87DE6118-2437-4B30-8E3C-4D2BE6020583}" type="datetimeFigureOut">
               <a:rPr lang="en-US" dirty="0"/>
               <a:pPr/>
-              <a:t>3/17/2025</a:t>
+              <a:t>3/20/2025</a:t>
             </a:fld>
             <a:endParaRPr lang="en-US" dirty="0"/>
           </a:p>
@@ -1651,7 +1651,7 @@
           <a:p>
             <a:fld id="{87DE6118-2437-4B30-8E3C-4D2BE6020583}" type="datetimeFigureOut">
               <a:rPr lang="en-US" dirty="0"/>
-              <a:t>3/17/2025</a:t>
+              <a:t>3/20/2025</a:t>
             </a:fld>
             <a:endParaRPr lang="en-US" dirty="0"/>
           </a:p>
@@ -2123,7 +2123,7 @@
           <a:p>
             <a:fld id="{87DE6118-2437-4B30-8E3C-4D2BE6020583}" type="datetimeFigureOut">
               <a:rPr lang="en-US" dirty="0"/>
-              <a:t>3/17/2025</a:t>
+              <a:t>3/20/2025</a:t>
             </a:fld>
             <a:endParaRPr lang="en-US" dirty="0"/>
           </a:p>
@@ -2236,7 +2236,7 @@
           <a:p>
             <a:fld id="{87DE6118-2437-4B30-8E3C-4D2BE6020583}" type="datetimeFigureOut">
               <a:rPr lang="en-US" dirty="0"/>
-              <a:t>3/17/2025</a:t>
+              <a:t>3/20/2025</a:t>
             </a:fld>
             <a:endParaRPr lang="en-US" dirty="0"/>
           </a:p>
@@ -2326,7 +2326,7 @@
           <a:p>
             <a:fld id="{87DE6118-2437-4B30-8E3C-4D2BE6020583}" type="datetimeFigureOut">
               <a:rPr lang="en-US" dirty="0"/>
-              <a:t>3/17/2025</a:t>
+              <a:t>3/20/2025</a:t>
             </a:fld>
             <a:endParaRPr lang="en-US" dirty="0"/>
           </a:p>
@@ -2668,7 +2668,7 @@
             <a:fld id="{87DE6118-2437-4B30-8E3C-4D2BE6020583}" type="datetimeFigureOut">
               <a:rPr lang="en-US" dirty="0"/>
               <a:pPr/>
-              <a:t>3/17/2025</a:t>
+              <a:t>3/20/2025</a:t>
             </a:fld>
             <a:endParaRPr lang="en-US" dirty="0"/>
           </a:p>
@@ -3053,7 +3053,7 @@
             <a:fld id="{87DE6118-2437-4B30-8E3C-4D2BE6020583}" type="datetimeFigureOut">
               <a:rPr lang="en-US" dirty="0"/>
               <a:pPr/>
-              <a:t>3/17/2025</a:t>
+              <a:t>3/20/2025</a:t>
             </a:fld>
             <a:endParaRPr lang="en-US" dirty="0"/>
           </a:p>
@@ -3328,7 +3328,7 @@
             <a:fld id="{87DE6118-2437-4B30-8E3C-4D2BE6020583}" type="datetimeFigureOut">
               <a:rPr lang="en-US" dirty="0"/>
               <a:pPr/>
-              <a:t>3/17/2025</a:t>
+              <a:t>3/20/2025</a:t>
             </a:fld>
             <a:endParaRPr lang="en-US" dirty="0"/>
           </a:p>
@@ -3863,9 +3863,12 @@
             </a:pPr>
             <a:r>
               <a:rPr lang="ko-KR" altLang="en-US" sz="3600" dirty="0"/>
-              <a:t>파이썬 기초 이론</a:t>
-            </a:r>
-            <a:endParaRPr lang="en-US" altLang="ko-KR" sz="3600" dirty="0"/>
+              <a:t>파이썬 기초 </a:t>
+            </a:r>
+            <a:r>
+              <a:rPr lang="en-US" altLang="ko-KR" sz="3600" dirty="0"/>
+              <a:t>01</a:t>
+            </a:r>
           </a:p>
         </p:txBody>
       </p:sp>
@@ -3924,7 +3927,7 @@
         <p:push/>
       </p:transition>
     </mc:Choice>
-    <mc:Fallback xmlns:dsp="http://schemas.microsoft.com/office/drawing/2008/diagram" xmlns:dgm="http://schemas.openxmlformats.org/drawingml/2006/diagram" xmlns:c="http://schemas.openxmlformats.org/drawingml/2006/chart" xmlns="">
+    <mc:Fallback xmlns="" xmlns:c="http://schemas.openxmlformats.org/drawingml/2006/chart" xmlns:dgm="http://schemas.openxmlformats.org/drawingml/2006/diagram" xmlns:dsp="http://schemas.microsoft.com/office/drawing/2008/diagram">
       <p:transition xmlns:mc="http://schemas.openxmlformats.org/markup-compatibility/2006" xmlns:hp="http://schemas.haansoft.com/office/presentation/8.0" spd="med" mc:Ignorable="hp" hp:hslDur="1000">
         <p:fade/>
       </p:transition>
@@ -4265,7 +4268,7 @@
         <p:push/>
       </p:transition>
     </mc:Choice>
-    <mc:Fallback xmlns="" xmlns:c="http://schemas.openxmlformats.org/drawingml/2006/chart" xmlns:dgm="http://schemas.openxmlformats.org/drawingml/2006/diagram" xmlns:dsp="http://schemas.microsoft.com/office/drawing/2008/diagram">
+    <mc:Fallback xmlns:dsp="http://schemas.microsoft.com/office/drawing/2008/diagram" xmlns:dgm="http://schemas.openxmlformats.org/drawingml/2006/diagram" xmlns:c="http://schemas.openxmlformats.org/drawingml/2006/chart" xmlns="">
       <p:transition xmlns:mc="http://schemas.openxmlformats.org/markup-compatibility/2006" xmlns:hp="http://schemas.haansoft.com/office/presentation/8.0" spd="med" mc:Ignorable="hp" hp:hslDur="1000">
         <p:fade/>
       </p:transition>
@@ -4452,7 +4455,7 @@
         <p:push/>
       </p:transition>
     </mc:Choice>
-    <mc:Fallback xmlns="" xmlns:c="http://schemas.openxmlformats.org/drawingml/2006/chart" xmlns:dgm="http://schemas.openxmlformats.org/drawingml/2006/diagram" xmlns:dsp="http://schemas.microsoft.com/office/drawing/2008/diagram">
+    <mc:Fallback xmlns:dsp="http://schemas.microsoft.com/office/drawing/2008/diagram" xmlns:dgm="http://schemas.openxmlformats.org/drawingml/2006/diagram" xmlns:c="http://schemas.openxmlformats.org/drawingml/2006/chart" xmlns="">
       <p:transition xmlns:mc="http://schemas.openxmlformats.org/markup-compatibility/2006" xmlns:hp="http://schemas.haansoft.com/office/presentation/8.0" spd="med" mc:Ignorable="hp" hp:hslDur="1000">
         <p:fade/>
       </p:transition>
@@ -5729,7 +5732,7 @@
         <p:push/>
       </p:transition>
     </mc:Choice>
-    <mc:Fallback xmlns="" xmlns:c="http://schemas.openxmlformats.org/drawingml/2006/chart" xmlns:dgm="http://schemas.openxmlformats.org/drawingml/2006/diagram" xmlns:dsp="http://schemas.microsoft.com/office/drawing/2008/diagram">
+    <mc:Fallback xmlns:dsp="http://schemas.microsoft.com/office/drawing/2008/diagram" xmlns:dgm="http://schemas.openxmlformats.org/drawingml/2006/diagram" xmlns:c="http://schemas.openxmlformats.org/drawingml/2006/chart" xmlns="">
       <p:transition xmlns:mc="http://schemas.openxmlformats.org/markup-compatibility/2006" xmlns:hp="http://schemas.haansoft.com/office/presentation/8.0" spd="med" mc:Ignorable="hp" hp:hslDur="1000">
         <p:fade/>
       </p:transition>
@@ -5910,7 +5913,7 @@
         <p:push/>
       </p:transition>
     </mc:Choice>
-    <mc:Fallback xmlns="" xmlns:c="http://schemas.openxmlformats.org/drawingml/2006/chart" xmlns:dgm="http://schemas.openxmlformats.org/drawingml/2006/diagram" xmlns:dsp="http://schemas.microsoft.com/office/drawing/2008/diagram">
+    <mc:Fallback xmlns:dsp="http://schemas.microsoft.com/office/drawing/2008/diagram" xmlns:dgm="http://schemas.openxmlformats.org/drawingml/2006/diagram" xmlns:c="http://schemas.openxmlformats.org/drawingml/2006/chart" xmlns="">
       <p:transition xmlns:mc="http://schemas.openxmlformats.org/markup-compatibility/2006" xmlns:hp="http://schemas.haansoft.com/office/presentation/8.0" spd="med" mc:Ignorable="hp" hp:hslDur="1000">
         <p:fade/>
       </p:transition>
@@ -6048,7 +6051,7 @@
         <p:push/>
       </p:transition>
     </mc:Choice>
-    <mc:Fallback xmlns="" xmlns:c="http://schemas.openxmlformats.org/drawingml/2006/chart" xmlns:dgm="http://schemas.openxmlformats.org/drawingml/2006/diagram" xmlns:dsp="http://schemas.microsoft.com/office/drawing/2008/diagram">
+    <mc:Fallback xmlns:dsp="http://schemas.microsoft.com/office/drawing/2008/diagram" xmlns:dgm="http://schemas.openxmlformats.org/drawingml/2006/diagram" xmlns:c="http://schemas.openxmlformats.org/drawingml/2006/chart" xmlns="">
       <p:transition xmlns:mc="http://schemas.openxmlformats.org/markup-compatibility/2006" xmlns:hp="http://schemas.haansoft.com/office/presentation/8.0" spd="med" mc:Ignorable="hp" hp:hslDur="1000">
         <p:fade/>
       </p:transition>
@@ -6320,7 +6323,7 @@
         <p:push/>
       </p:transition>
     </mc:Choice>
-    <mc:Fallback xmlns="" xmlns:c="http://schemas.openxmlformats.org/drawingml/2006/chart" xmlns:dgm="http://schemas.openxmlformats.org/drawingml/2006/diagram" xmlns:dsp="http://schemas.microsoft.com/office/drawing/2008/diagram">
+    <mc:Fallback xmlns:dsp="http://schemas.microsoft.com/office/drawing/2008/diagram" xmlns:dgm="http://schemas.openxmlformats.org/drawingml/2006/diagram" xmlns:c="http://schemas.openxmlformats.org/drawingml/2006/chart" xmlns="">
       <p:transition xmlns:mc="http://schemas.openxmlformats.org/markup-compatibility/2006" xmlns:hp="http://schemas.haansoft.com/office/presentation/8.0" spd="med" mc:Ignorable="hp" hp:hslDur="1000">
         <p:fade/>
       </p:transition>
@@ -6941,7 +6944,7 @@
         <p:push/>
       </p:transition>
     </mc:Choice>
-    <mc:Fallback xmlns="" xmlns:c="http://schemas.openxmlformats.org/drawingml/2006/chart" xmlns:dgm="http://schemas.openxmlformats.org/drawingml/2006/diagram" xmlns:dsp="http://schemas.microsoft.com/office/drawing/2008/diagram">
+    <mc:Fallback xmlns:dsp="http://schemas.microsoft.com/office/drawing/2008/diagram" xmlns:dgm="http://schemas.openxmlformats.org/drawingml/2006/diagram" xmlns:c="http://schemas.openxmlformats.org/drawingml/2006/chart" xmlns="">
       <p:transition xmlns:mc="http://schemas.openxmlformats.org/markup-compatibility/2006" xmlns:hp="http://schemas.haansoft.com/office/presentation/8.0" spd="med" mc:Ignorable="hp" hp:hslDur="1000">
         <p:fade/>
       </p:transition>
@@ -7396,7 +7399,7 @@
         <p:push/>
       </p:transition>
     </mc:Choice>
-    <mc:Fallback xmlns="" xmlns:c="http://schemas.openxmlformats.org/drawingml/2006/chart" xmlns:dgm="http://schemas.openxmlformats.org/drawingml/2006/diagram" xmlns:dsp="http://schemas.microsoft.com/office/drawing/2008/diagram">
+    <mc:Fallback xmlns:dsp="http://schemas.microsoft.com/office/drawing/2008/diagram" xmlns:dgm="http://schemas.openxmlformats.org/drawingml/2006/diagram" xmlns:c="http://schemas.openxmlformats.org/drawingml/2006/chart" xmlns="">
       <p:transition xmlns:mc="http://schemas.openxmlformats.org/markup-compatibility/2006" xmlns:hp="http://schemas.haansoft.com/office/presentation/8.0" spd="med" mc:Ignorable="hp" hp:hslDur="1000">
         <p:fade/>
       </p:transition>
@@ -7844,7 +7847,7 @@
         <p:push/>
       </p:transition>
     </mc:Choice>
-    <mc:Fallback xmlns="" xmlns:c="http://schemas.openxmlformats.org/drawingml/2006/chart" xmlns:dgm="http://schemas.openxmlformats.org/drawingml/2006/diagram" xmlns:dsp="http://schemas.microsoft.com/office/drawing/2008/diagram">
+    <mc:Fallback xmlns:dsp="http://schemas.microsoft.com/office/drawing/2008/diagram" xmlns:dgm="http://schemas.openxmlformats.org/drawingml/2006/diagram" xmlns:c="http://schemas.openxmlformats.org/drawingml/2006/chart" xmlns="">
       <p:transition xmlns:mc="http://schemas.openxmlformats.org/markup-compatibility/2006" xmlns:hp="http://schemas.haansoft.com/office/presentation/8.0" spd="med" mc:Ignorable="hp" hp:hslDur="1000">
         <p:fade/>
       </p:transition>
@@ -8756,7 +8759,7 @@
         <p:push/>
       </p:transition>
     </mc:Choice>
-    <mc:Fallback xmlns="" xmlns:c="http://schemas.openxmlformats.org/drawingml/2006/chart" xmlns:dgm="http://schemas.openxmlformats.org/drawingml/2006/diagram" xmlns:dsp="http://schemas.microsoft.com/office/drawing/2008/diagram">
+    <mc:Fallback xmlns:dsp="http://schemas.microsoft.com/office/drawing/2008/diagram" xmlns:dgm="http://schemas.openxmlformats.org/drawingml/2006/diagram" xmlns:c="http://schemas.openxmlformats.org/drawingml/2006/chart" xmlns="">
       <p:transition xmlns:mc="http://schemas.openxmlformats.org/markup-compatibility/2006" xmlns:hp="http://schemas.haansoft.com/office/presentation/8.0" spd="med" mc:Ignorable="hp" hp:hslDur="1000">
         <p:fade/>
       </p:transition>
@@ -8973,7 +8976,7 @@
         <p:push/>
       </p:transition>
     </mc:Choice>
-    <mc:Fallback xmlns="" xmlns:c="http://schemas.openxmlformats.org/drawingml/2006/chart" xmlns:dgm="http://schemas.openxmlformats.org/drawingml/2006/diagram" xmlns:dsp="http://schemas.microsoft.com/office/drawing/2008/diagram">
+    <mc:Fallback xmlns:dsp="http://schemas.microsoft.com/office/drawing/2008/diagram" xmlns:dgm="http://schemas.openxmlformats.org/drawingml/2006/diagram" xmlns:c="http://schemas.openxmlformats.org/drawingml/2006/chart" xmlns="">
       <p:transition xmlns:mc="http://schemas.openxmlformats.org/markup-compatibility/2006" xmlns:hp="http://schemas.haansoft.com/office/presentation/8.0" spd="med" mc:Ignorable="hp" hp:hslDur="1000">
         <p:fade/>
       </p:transition>
